--- a/templates/template3.pptx
+++ b/templates/template3.pptx
@@ -7,35 +7,34 @@
   <p:sldIdLst>
     <p:sldId id="256" r:id="rId2"/>
     <p:sldId id="258" r:id="rId3"/>
-    <p:sldId id="268" r:id="rId4"/>
-    <p:sldId id="260" r:id="rId5"/>
-    <p:sldId id="266" r:id="rId6"/>
-    <p:sldId id="267" r:id="rId7"/>
-    <p:sldId id="262" r:id="rId8"/>
-    <p:sldId id="264" r:id="rId9"/>
+    <p:sldId id="260" r:id="rId4"/>
+    <p:sldId id="266" r:id="rId5"/>
+    <p:sldId id="267" r:id="rId6"/>
+    <p:sldId id="262" r:id="rId7"/>
+    <p:sldId id="264" r:id="rId8"/>
   </p:sldIdLst>
   <p:sldSz cx="18288000" cy="10287000"/>
   <p:notesSz cx="6858000" cy="9144000"/>
   <p:embeddedFontLst>
     <p:embeddedFont>
       <p:font typeface="Calibri" panose="020F0502020204030204" pitchFamily="34" charset="0"/>
-      <p:regular r:id="rId10"/>
-      <p:bold r:id="rId11"/>
-      <p:italic r:id="rId12"/>
-      <p:boldItalic r:id="rId13"/>
+      <p:regular r:id="rId9"/>
+      <p:bold r:id="rId10"/>
+      <p:italic r:id="rId11"/>
+      <p:boldItalic r:id="rId12"/>
     </p:embeddedFont>
     <p:embeddedFont>
       <p:font typeface="Calibri Light" panose="020F0302020204030204" pitchFamily="34" charset="0"/>
-      <p:regular r:id="rId14"/>
-      <p:italic r:id="rId15"/>
+      <p:regular r:id="rId13"/>
+      <p:italic r:id="rId14"/>
     </p:embeddedFont>
     <p:embeddedFont>
       <p:font typeface="Times New Roman" panose="02020603050405020304" pitchFamily="18" charset="0"/>
-      <p:regular r:id="rId16"/>
+      <p:regular r:id="rId15"/>
     </p:embeddedFont>
     <p:embeddedFont>
       <p:font typeface="Times New Roman Bold" panose="020B0604020202020204" charset="0"/>
-      <p:regular r:id="rId17"/>
+      <p:regular r:id="rId16"/>
     </p:embeddedFont>
   </p:embeddedFontLst>
   <p:defaultTextStyle>
@@ -4970,1077 +4969,205 @@
       </p:grpSpPr>
       <p:sp>
         <p:nvSpPr>
-          <p:cNvPr id="2" name="TextBox 2"/>
-          <p:cNvSpPr txBox="1"/>
+          <p:cNvPr id="2" name="Прямоугольник 1">
+            <a:extLst>
+              <a:ext uri="{FF2B5EF4-FFF2-40B4-BE49-F238E27FC236}">
+                <a16:creationId xmlns:a16="http://schemas.microsoft.com/office/drawing/2014/main" id="{3C07B3A1-5A6F-92C0-EF49-8AB49A3F171C}"/>
+              </a:ext>
+            </a:extLst>
+          </p:cNvPr>
+          <p:cNvSpPr/>
           <p:nvPr/>
         </p:nvSpPr>
         <p:spPr>
           <a:xfrm>
-            <a:off x="5681106" y="2215252"/>
-            <a:ext cx="3615294" cy="448841"/>
+            <a:off x="1600200" y="342900"/>
+            <a:ext cx="6286706" cy="4692542"/>
           </a:xfrm>
           <a:prstGeom prst="rect">
             <a:avLst/>
           </a:prstGeom>
         </p:spPr>
-        <p:txBody>
-          <a:bodyPr wrap="square" lIns="0" tIns="0" rIns="0" bIns="0" rtlCol="0" anchor="t">
-            <a:spAutoFit/>
-          </a:bodyPr>
-          <a:lstStyle/>
-          <a:p>
-            <a:pPr>
-              <a:lnSpc>
-                <a:spcPts val="3499"/>
-              </a:lnSpc>
-            </a:pPr>
-            <a:r>
-              <a:rPr lang="en-US" sz="3200" dirty="0">
-                <a:latin typeface="Times New Roman" panose="02020603050405020304" pitchFamily="18" charset="0"/>
-                <a:cs typeface="Times New Roman" panose="02020603050405020304" pitchFamily="18" charset="0"/>
-              </a:rPr>
-              <a:t> {{ </a:t>
-            </a:r>
-            <a:r>
-              <a:rPr lang="en-US" sz="3200" dirty="0" err="1">
-                <a:latin typeface="Times New Roman" panose="02020603050405020304" pitchFamily="18" charset="0"/>
-                <a:cs typeface="Times New Roman" panose="02020603050405020304" pitchFamily="18" charset="0"/>
-              </a:rPr>
-              <a:t>start_price</a:t>
-            </a:r>
-            <a:r>
-              <a:rPr lang="en-US" sz="3200" dirty="0">
-                <a:latin typeface="Times New Roman" panose="02020603050405020304" pitchFamily="18" charset="0"/>
-                <a:cs typeface="Times New Roman" panose="02020603050405020304" pitchFamily="18" charset="0"/>
-              </a:rPr>
-              <a:t> }}</a:t>
-            </a:r>
-            <a:r>
-              <a:rPr lang="ru-RU" sz="3200" dirty="0">
-                <a:latin typeface="Times New Roman" panose="02020603050405020304" pitchFamily="18" charset="0"/>
-                <a:cs typeface="Times New Roman" panose="02020603050405020304" pitchFamily="18" charset="0"/>
-              </a:rPr>
-              <a:t> руб.</a:t>
-            </a:r>
-            <a:endParaRPr lang="en-US" sz="3200" dirty="0">
-              <a:latin typeface="Times New Roman" panose="02020603050405020304" pitchFamily="18" charset="0"/>
-              <a:cs typeface="Times New Roman" panose="02020603050405020304" pitchFamily="18" charset="0"/>
-            </a:endParaRPr>
-          </a:p>
-        </p:txBody>
-      </p:sp>
-      <p:sp>
-        <p:nvSpPr>
-          <p:cNvPr id="5" name="TextBox 5"/>
-          <p:cNvSpPr txBox="1"/>
+        <p:style>
+          <a:lnRef idx="2">
+            <a:schemeClr val="accent1">
+              <a:shade val="15000"/>
+            </a:schemeClr>
+          </a:lnRef>
+          <a:fillRef idx="1">
+            <a:schemeClr val="accent1"/>
+          </a:fillRef>
+          <a:effectRef idx="0">
+            <a:schemeClr val="accent1"/>
+          </a:effectRef>
+          <a:fontRef idx="minor">
+            <a:schemeClr val="lt1"/>
+          </a:fontRef>
+        </p:style>
+        <p:txBody>
+          <a:bodyPr rtlCol="0" anchor="ctr"/>
+          <a:lstStyle/>
+          <a:p>
+            <a:pPr algn="ctr"/>
+            <a:r>
+              <a:rPr lang="en-US" dirty="0"/>
+              <a:t>Img1</a:t>
+            </a:r>
+            <a:endParaRPr lang="ru-RU" dirty="0"/>
+          </a:p>
+        </p:txBody>
+      </p:sp>
+      <p:sp>
+        <p:nvSpPr>
+          <p:cNvPr id="3" name="Прямоугольник 2">
+            <a:extLst>
+              <a:ext uri="{FF2B5EF4-FFF2-40B4-BE49-F238E27FC236}">
+                <a16:creationId xmlns:a16="http://schemas.microsoft.com/office/drawing/2014/main" id="{363FC139-6A45-6BEA-D6EF-38FD677ECADA}"/>
+              </a:ext>
+            </a:extLst>
+          </p:cNvPr>
+          <p:cNvSpPr/>
           <p:nvPr/>
         </p:nvSpPr>
         <p:spPr>
           <a:xfrm>
-            <a:off x="7683049" y="6654519"/>
-            <a:ext cx="9576251" cy="448841"/>
+            <a:off x="10439400" y="342900"/>
+            <a:ext cx="6286706" cy="4692542"/>
           </a:xfrm>
           <a:prstGeom prst="rect">
             <a:avLst/>
           </a:prstGeom>
         </p:spPr>
-        <p:txBody>
-          <a:bodyPr lIns="0" tIns="0" rIns="0" bIns="0" rtlCol="0" anchor="t">
-            <a:spAutoFit/>
-          </a:bodyPr>
-          <a:lstStyle/>
-          <a:p>
-            <a:pPr>
-              <a:lnSpc>
-                <a:spcPts val="3499"/>
-              </a:lnSpc>
-            </a:pPr>
-            <a:r>
-              <a:rPr lang="en-US" sz="3200" dirty="0">
-                <a:latin typeface="Times New Roman" panose="02020603050405020304" pitchFamily="18" charset="0"/>
-                <a:cs typeface="Times New Roman" panose="02020603050405020304" pitchFamily="18" charset="0"/>
-              </a:rPr>
-              <a:t>{{ </a:t>
-            </a:r>
-            <a:r>
-              <a:rPr lang="en-US" sz="3200" dirty="0" err="1">
-                <a:latin typeface="Times New Roman" panose="02020603050405020304" pitchFamily="18" charset="0"/>
-                <a:cs typeface="Times New Roman" panose="02020603050405020304" pitchFamily="18" charset="0"/>
-              </a:rPr>
-              <a:t>applications_enddate</a:t>
-            </a:r>
-            <a:r>
-              <a:rPr lang="en-US" sz="3200" dirty="0">
-                <a:latin typeface="Times New Roman" panose="02020603050405020304" pitchFamily="18" charset="0"/>
-                <a:cs typeface="Times New Roman" panose="02020603050405020304" pitchFamily="18" charset="0"/>
-              </a:rPr>
-              <a:t> }}</a:t>
-            </a:r>
-          </a:p>
-        </p:txBody>
-      </p:sp>
-      <p:sp>
-        <p:nvSpPr>
-          <p:cNvPr id="7" name="TextBox 7"/>
-          <p:cNvSpPr txBox="1"/>
+        <p:style>
+          <a:lnRef idx="2">
+            <a:schemeClr val="accent1">
+              <a:shade val="15000"/>
+            </a:schemeClr>
+          </a:lnRef>
+          <a:fillRef idx="1">
+            <a:schemeClr val="accent1"/>
+          </a:fillRef>
+          <a:effectRef idx="0">
+            <a:schemeClr val="accent1"/>
+          </a:effectRef>
+          <a:fontRef idx="minor">
+            <a:schemeClr val="lt1"/>
+          </a:fontRef>
+        </p:style>
+        <p:txBody>
+          <a:bodyPr rtlCol="0" anchor="ctr"/>
+          <a:lstStyle/>
+          <a:p>
+            <a:pPr algn="ctr"/>
+            <a:r>
+              <a:rPr lang="en-US" dirty="0"/>
+              <a:t>Img2</a:t>
+            </a:r>
+            <a:endParaRPr lang="ru-RU" dirty="0"/>
+          </a:p>
+        </p:txBody>
+      </p:sp>
+      <p:sp>
+        <p:nvSpPr>
+          <p:cNvPr id="4" name="Прямоугольник 3">
+            <a:extLst>
+              <a:ext uri="{FF2B5EF4-FFF2-40B4-BE49-F238E27FC236}">
+                <a16:creationId xmlns:a16="http://schemas.microsoft.com/office/drawing/2014/main" id="{37ABC095-82BD-9302-4AFE-FEA0C9C334E2}"/>
+              </a:ext>
+            </a:extLst>
+          </p:cNvPr>
+          <p:cNvSpPr/>
           <p:nvPr/>
         </p:nvSpPr>
         <p:spPr>
           <a:xfrm>
-            <a:off x="7683048" y="8070709"/>
-            <a:ext cx="9576251" cy="448841"/>
+            <a:off x="1597465" y="5219700"/>
+            <a:ext cx="6286706" cy="4692542"/>
           </a:xfrm>
           <a:prstGeom prst="rect">
             <a:avLst/>
           </a:prstGeom>
         </p:spPr>
-        <p:txBody>
-          <a:bodyPr lIns="0" tIns="0" rIns="0" bIns="0" rtlCol="0" anchor="t">
-            <a:spAutoFit/>
-          </a:bodyPr>
-          <a:lstStyle/>
-          <a:p>
-            <a:pPr>
-              <a:lnSpc>
-                <a:spcPts val="3499"/>
-              </a:lnSpc>
-            </a:pPr>
-            <a:r>
-              <a:rPr lang="en-US" sz="3200" dirty="0">
-                <a:latin typeface="Times New Roman" panose="02020603050405020304" pitchFamily="18" charset="0"/>
-                <a:cs typeface="Times New Roman" panose="02020603050405020304" pitchFamily="18" charset="0"/>
-              </a:rPr>
-              <a:t>{{ deposit }}</a:t>
-            </a:r>
-            <a:r>
-              <a:rPr lang="ru-RU" sz="3200" dirty="0">
-                <a:latin typeface="Times New Roman" panose="02020603050405020304" pitchFamily="18" charset="0"/>
-                <a:cs typeface="Times New Roman" panose="02020603050405020304" pitchFamily="18" charset="0"/>
-              </a:rPr>
-              <a:t> руб.</a:t>
-            </a:r>
-            <a:endParaRPr lang="en-US" sz="3200" dirty="0">
-              <a:latin typeface="Times New Roman" panose="02020603050405020304" pitchFamily="18" charset="0"/>
-              <a:cs typeface="Times New Roman" panose="02020603050405020304" pitchFamily="18" charset="0"/>
-            </a:endParaRPr>
-          </a:p>
-        </p:txBody>
-      </p:sp>
-      <p:sp>
-        <p:nvSpPr>
-          <p:cNvPr id="9" name="TextBox 9"/>
-          <p:cNvSpPr txBox="1"/>
+        <p:style>
+          <a:lnRef idx="2">
+            <a:schemeClr val="accent1">
+              <a:shade val="15000"/>
+            </a:schemeClr>
+          </a:lnRef>
+          <a:fillRef idx="1">
+            <a:schemeClr val="accent1"/>
+          </a:fillRef>
+          <a:effectRef idx="0">
+            <a:schemeClr val="accent1"/>
+          </a:effectRef>
+          <a:fontRef idx="minor">
+            <a:schemeClr val="lt1"/>
+          </a:fontRef>
+        </p:style>
+        <p:txBody>
+          <a:bodyPr rtlCol="0" anchor="ctr"/>
+          <a:lstStyle/>
+          <a:p>
+            <a:pPr algn="ctr"/>
+            <a:r>
+              <a:rPr lang="en-US" dirty="0"/>
+              <a:t>Img3</a:t>
+            </a:r>
+            <a:endParaRPr lang="ru-RU" dirty="0"/>
+          </a:p>
+        </p:txBody>
+      </p:sp>
+      <p:sp>
+        <p:nvSpPr>
+          <p:cNvPr id="5" name="Прямоугольник 4">
+            <a:extLst>
+              <a:ext uri="{FF2B5EF4-FFF2-40B4-BE49-F238E27FC236}">
+                <a16:creationId xmlns:a16="http://schemas.microsoft.com/office/drawing/2014/main" id="{E9004B74-8315-5099-D1C2-0572BE70D17F}"/>
+              </a:ext>
+            </a:extLst>
+          </p:cNvPr>
+          <p:cNvSpPr/>
           <p:nvPr/>
         </p:nvSpPr>
         <p:spPr>
           <a:xfrm>
-            <a:off x="5718118" y="814451"/>
-            <a:ext cx="7421750" cy="1025922"/>
+            <a:off x="10439194" y="5219700"/>
+            <a:ext cx="6286706" cy="4692542"/>
           </a:xfrm>
           <a:prstGeom prst="rect">
             <a:avLst/>
           </a:prstGeom>
         </p:spPr>
-        <p:txBody>
-          <a:bodyPr lIns="0" tIns="0" rIns="0" bIns="0" rtlCol="0" anchor="t">
-            <a:spAutoFit/>
-          </a:bodyPr>
-          <a:lstStyle/>
-          <a:p>
-            <a:pPr algn="ctr">
-              <a:lnSpc>
-                <a:spcPts val="7989"/>
-              </a:lnSpc>
-            </a:pPr>
-            <a:r>
-              <a:rPr lang="en-US" sz="3200" b="1" dirty="0" err="1">
-                <a:latin typeface="Times New Roman" panose="02020603050405020304" pitchFamily="18" charset="0"/>
-                <a:cs typeface="Times New Roman" panose="02020603050405020304" pitchFamily="18" charset="0"/>
-              </a:rPr>
-              <a:t>Стоимость</a:t>
-            </a:r>
-            <a:r>
-              <a:rPr lang="en-US" sz="3200" b="1" dirty="0">
-                <a:latin typeface="Times New Roman" panose="02020603050405020304" pitchFamily="18" charset="0"/>
-                <a:cs typeface="Times New Roman" panose="02020603050405020304" pitchFamily="18" charset="0"/>
-              </a:rPr>
-              <a:t> </a:t>
-            </a:r>
-            <a:r>
-              <a:rPr lang="en-US" sz="3200" b="1" dirty="0" err="1">
-                <a:latin typeface="Times New Roman" panose="02020603050405020304" pitchFamily="18" charset="0"/>
-                <a:cs typeface="Times New Roman" panose="02020603050405020304" pitchFamily="18" charset="0"/>
-              </a:rPr>
-              <a:t>объекта</a:t>
-            </a:r>
-            <a:endParaRPr lang="en-US" sz="3200" b="1" dirty="0">
-              <a:latin typeface="Times New Roman" panose="02020603050405020304" pitchFamily="18" charset="0"/>
-              <a:cs typeface="Times New Roman" panose="02020603050405020304" pitchFamily="18" charset="0"/>
-            </a:endParaRPr>
-          </a:p>
-        </p:txBody>
-      </p:sp>
-      <p:sp>
-        <p:nvSpPr>
-          <p:cNvPr id="10" name="TextBox 10"/>
-          <p:cNvSpPr txBox="1"/>
-          <p:nvPr/>
-        </p:nvSpPr>
-        <p:spPr>
-          <a:xfrm>
-            <a:off x="728579" y="2114391"/>
-            <a:ext cx="3829169" cy="615553"/>
-          </a:xfrm>
-          <a:prstGeom prst="rect">
-            <a:avLst/>
-          </a:prstGeom>
-        </p:spPr>
-        <p:txBody>
-          <a:bodyPr lIns="0" tIns="0" rIns="0" bIns="0" rtlCol="0" anchor="t">
-            <a:spAutoFit/>
-          </a:bodyPr>
-          <a:lstStyle/>
-          <a:p>
-            <a:pPr>
-              <a:lnSpc>
-                <a:spcPts val="4794"/>
-              </a:lnSpc>
-            </a:pPr>
-            <a:r>
-              <a:rPr lang="en-US" sz="3200" spc="-97" dirty="0" err="1">
-                <a:latin typeface="Times New Roman" panose="02020603050405020304" pitchFamily="18" charset="0"/>
-                <a:cs typeface="Times New Roman" panose="02020603050405020304" pitchFamily="18" charset="0"/>
-              </a:rPr>
-              <a:t>Начальная</a:t>
-            </a:r>
-            <a:r>
-              <a:rPr lang="en-US" sz="3200" spc="-97" dirty="0">
-                <a:latin typeface="Times New Roman" panose="02020603050405020304" pitchFamily="18" charset="0"/>
-                <a:cs typeface="Times New Roman" panose="02020603050405020304" pitchFamily="18" charset="0"/>
-              </a:rPr>
-              <a:t> </a:t>
-            </a:r>
-            <a:r>
-              <a:rPr lang="en-US" sz="3200" spc="-97" dirty="0" err="1">
-                <a:latin typeface="Times New Roman" panose="02020603050405020304" pitchFamily="18" charset="0"/>
-                <a:cs typeface="Times New Roman" panose="02020603050405020304" pitchFamily="18" charset="0"/>
-              </a:rPr>
-              <a:t>цена</a:t>
-            </a:r>
-            <a:r>
-              <a:rPr lang="en-US" sz="3200" spc="-97" dirty="0">
-                <a:latin typeface="Times New Roman" panose="02020603050405020304" pitchFamily="18" charset="0"/>
-                <a:cs typeface="Times New Roman" panose="02020603050405020304" pitchFamily="18" charset="0"/>
-              </a:rPr>
-              <a:t>: </a:t>
-            </a:r>
-          </a:p>
-        </p:txBody>
-      </p:sp>
-      <p:sp>
-        <p:nvSpPr>
-          <p:cNvPr id="11" name="TextBox 11"/>
-          <p:cNvSpPr txBox="1"/>
-          <p:nvPr/>
-        </p:nvSpPr>
-        <p:spPr>
-          <a:xfrm>
-            <a:off x="730594" y="2712184"/>
-            <a:ext cx="8565806" cy="5482270"/>
-          </a:xfrm>
-          <a:prstGeom prst="rect">
-            <a:avLst/>
-          </a:prstGeom>
-        </p:spPr>
-        <p:txBody>
-          <a:bodyPr wrap="square" lIns="0" tIns="0" rIns="0" bIns="0" rtlCol="0" anchor="t">
-            <a:spAutoFit/>
-          </a:bodyPr>
-          <a:lstStyle/>
-          <a:p>
-            <a:pPr>
-              <a:lnSpc>
-                <a:spcPts val="4794"/>
-              </a:lnSpc>
-            </a:pPr>
-            <a:r>
-              <a:rPr lang="en-US" sz="3200" spc="-97" dirty="0">
-                <a:latin typeface="Times New Roman" panose="02020603050405020304" pitchFamily="18" charset="0"/>
-                <a:cs typeface="Times New Roman" panose="02020603050405020304" pitchFamily="18" charset="0"/>
-              </a:rPr>
-              <a:t>{% if </a:t>
-            </a:r>
-            <a:r>
-              <a:rPr lang="en-US" sz="3200" spc="-97" dirty="0" err="1">
-                <a:latin typeface="Times New Roman" panose="02020603050405020304" pitchFamily="18" charset="0"/>
-                <a:cs typeface="Times New Roman" panose="02020603050405020304" pitchFamily="18" charset="0"/>
-              </a:rPr>
-              <a:t>min_price</a:t>
-            </a:r>
-            <a:r>
-              <a:rPr lang="en-US" sz="3200" spc="-97" dirty="0">
-                <a:latin typeface="Times New Roman" panose="02020603050405020304" pitchFamily="18" charset="0"/>
-                <a:cs typeface="Times New Roman" panose="02020603050405020304" pitchFamily="18" charset="0"/>
-              </a:rPr>
-              <a:t> %}</a:t>
-            </a:r>
-            <a:r>
-              <a:rPr lang="en-US" sz="3200" spc="-97" dirty="0" err="1">
-                <a:latin typeface="Times New Roman" panose="02020603050405020304" pitchFamily="18" charset="0"/>
-                <a:cs typeface="Times New Roman" panose="02020603050405020304" pitchFamily="18" charset="0"/>
-              </a:rPr>
-              <a:t>Минимальная</a:t>
-            </a:r>
-            <a:r>
-              <a:rPr lang="en-US" sz="3200" spc="-97" dirty="0">
-                <a:latin typeface="Times New Roman" panose="02020603050405020304" pitchFamily="18" charset="0"/>
-                <a:cs typeface="Times New Roman" panose="02020603050405020304" pitchFamily="18" charset="0"/>
-              </a:rPr>
-              <a:t> </a:t>
-            </a:r>
-            <a:r>
-              <a:rPr lang="en-US" sz="3200" spc="-97" dirty="0" err="1">
-                <a:latin typeface="Times New Roman" panose="02020603050405020304" pitchFamily="18" charset="0"/>
-                <a:cs typeface="Times New Roman" panose="02020603050405020304" pitchFamily="18" charset="0"/>
-              </a:rPr>
-              <a:t>цена</a:t>
-            </a:r>
-            <a:r>
-              <a:rPr lang="en-US" sz="3200" spc="-97" dirty="0">
-                <a:latin typeface="Times New Roman" panose="02020603050405020304" pitchFamily="18" charset="0"/>
-                <a:cs typeface="Times New Roman" panose="02020603050405020304" pitchFamily="18" charset="0"/>
-              </a:rPr>
-              <a:t>:                    {{ </a:t>
-            </a:r>
-            <a:r>
-              <a:rPr lang="en-US" sz="3200" spc="-97" dirty="0" err="1">
-                <a:latin typeface="Times New Roman" panose="02020603050405020304" pitchFamily="18" charset="0"/>
-                <a:cs typeface="Times New Roman" panose="02020603050405020304" pitchFamily="18" charset="0"/>
-              </a:rPr>
-              <a:t>min_price</a:t>
-            </a:r>
-            <a:r>
-              <a:rPr lang="en-US" sz="3200" spc="-97" dirty="0">
-                <a:latin typeface="Times New Roman" panose="02020603050405020304" pitchFamily="18" charset="0"/>
-                <a:cs typeface="Times New Roman" panose="02020603050405020304" pitchFamily="18" charset="0"/>
-              </a:rPr>
-              <a:t> }} </a:t>
-            </a:r>
-            <a:r>
-              <a:rPr lang="ru-RU" sz="3200" spc="-97" dirty="0">
-                <a:latin typeface="Times New Roman" panose="02020603050405020304" pitchFamily="18" charset="0"/>
-                <a:cs typeface="Times New Roman" panose="02020603050405020304" pitchFamily="18" charset="0"/>
-              </a:rPr>
-              <a:t>руб.{% </a:t>
-            </a:r>
-            <a:r>
-              <a:rPr lang="en-US" sz="3200" spc="-97" dirty="0">
-                <a:latin typeface="Times New Roman" panose="02020603050405020304" pitchFamily="18" charset="0"/>
-                <a:cs typeface="Times New Roman" panose="02020603050405020304" pitchFamily="18" charset="0"/>
-              </a:rPr>
-              <a:t>endif %}</a:t>
-            </a:r>
-          </a:p>
-          <a:p>
-            <a:pPr>
-              <a:lnSpc>
-                <a:spcPts val="4794"/>
-              </a:lnSpc>
-            </a:pPr>
-            <a:r>
-              <a:rPr lang="en-US" sz="3200" spc="-97" dirty="0">
-                <a:latin typeface="Times New Roman" panose="02020603050405020304" pitchFamily="18" charset="0"/>
-                <a:cs typeface="Times New Roman" panose="02020603050405020304" pitchFamily="18" charset="0"/>
-              </a:rPr>
-              <a:t>{% if </a:t>
-            </a:r>
-            <a:r>
-              <a:rPr lang="en-US" sz="3200" spc="-97" dirty="0" err="1">
-                <a:latin typeface="Times New Roman" panose="02020603050405020304" pitchFamily="18" charset="0"/>
-                <a:cs typeface="Times New Roman" panose="02020603050405020304" pitchFamily="18" charset="0"/>
-              </a:rPr>
-              <a:t>procedure_form</a:t>
-            </a:r>
-            <a:r>
-              <a:rPr lang="en-US" sz="3200" spc="-97" dirty="0">
-                <a:latin typeface="Times New Roman" panose="02020603050405020304" pitchFamily="18" charset="0"/>
-                <a:cs typeface="Times New Roman" panose="02020603050405020304" pitchFamily="18" charset="0"/>
-              </a:rPr>
-              <a:t> != 3 %}{% if </a:t>
-            </a:r>
-            <a:r>
-              <a:rPr lang="en-US" sz="3200" spc="-97" dirty="0" err="1">
-                <a:latin typeface="Times New Roman" panose="02020603050405020304" pitchFamily="18" charset="0"/>
-                <a:cs typeface="Times New Roman" panose="02020603050405020304" pitchFamily="18" charset="0"/>
-              </a:rPr>
-              <a:t>auction_step</a:t>
-            </a:r>
-            <a:r>
-              <a:rPr lang="en-US" sz="3200" spc="-97" dirty="0">
-                <a:latin typeface="Times New Roman" panose="02020603050405020304" pitchFamily="18" charset="0"/>
-                <a:cs typeface="Times New Roman" panose="02020603050405020304" pitchFamily="18" charset="0"/>
-              </a:rPr>
-              <a:t> %}</a:t>
-            </a:r>
-            <a:r>
-              <a:rPr lang="en-US" sz="3200" spc="-97" dirty="0" err="1">
-                <a:latin typeface="Times New Roman" panose="02020603050405020304" pitchFamily="18" charset="0"/>
-                <a:cs typeface="Times New Roman" panose="02020603050405020304" pitchFamily="18" charset="0"/>
-              </a:rPr>
-              <a:t>Шаг</a:t>
-            </a:r>
-            <a:r>
-              <a:rPr lang="en-US" sz="3200" spc="-97" dirty="0">
-                <a:latin typeface="Times New Roman" panose="02020603050405020304" pitchFamily="18" charset="0"/>
-                <a:cs typeface="Times New Roman" panose="02020603050405020304" pitchFamily="18" charset="0"/>
-              </a:rPr>
-              <a:t> </a:t>
-            </a:r>
-            <a:r>
-              <a:rPr lang="ru-RU" sz="3200" spc="-97" dirty="0">
-                <a:latin typeface="Times New Roman" panose="02020603050405020304" pitchFamily="18" charset="0"/>
-                <a:cs typeface="Times New Roman" panose="02020603050405020304" pitchFamily="18" charset="0"/>
-              </a:rPr>
-              <a:t>аукциона</a:t>
-            </a:r>
-            <a:r>
-              <a:rPr lang="en-US" sz="3200" spc="-97" dirty="0">
-                <a:latin typeface="Times New Roman" panose="02020603050405020304" pitchFamily="18" charset="0"/>
-                <a:cs typeface="Times New Roman" panose="02020603050405020304" pitchFamily="18" charset="0"/>
-              </a:rPr>
-              <a:t>:                              {{ </a:t>
-            </a:r>
-            <a:r>
-              <a:rPr lang="en-US" sz="3200" spc="-97" dirty="0" err="1">
-                <a:latin typeface="Times New Roman" panose="02020603050405020304" pitchFamily="18" charset="0"/>
-                <a:cs typeface="Times New Roman" panose="02020603050405020304" pitchFamily="18" charset="0"/>
-              </a:rPr>
-              <a:t>auction_step</a:t>
-            </a:r>
-            <a:r>
-              <a:rPr lang="en-US" sz="3200" spc="-97" dirty="0">
-                <a:latin typeface="Times New Roman" panose="02020603050405020304" pitchFamily="18" charset="0"/>
-                <a:cs typeface="Times New Roman" panose="02020603050405020304" pitchFamily="18" charset="0"/>
-              </a:rPr>
-              <a:t> }} </a:t>
-            </a:r>
-            <a:r>
-              <a:rPr lang="ru-RU" sz="3200" spc="-97" dirty="0">
-                <a:latin typeface="Times New Roman" panose="02020603050405020304" pitchFamily="18" charset="0"/>
-                <a:cs typeface="Times New Roman" panose="02020603050405020304" pitchFamily="18" charset="0"/>
-              </a:rPr>
-              <a:t>руб.{% </a:t>
-            </a:r>
-            <a:r>
-              <a:rPr lang="en-US" sz="3200" spc="-97" dirty="0">
-                <a:latin typeface="Times New Roman" panose="02020603050405020304" pitchFamily="18" charset="0"/>
-                <a:cs typeface="Times New Roman" panose="02020603050405020304" pitchFamily="18" charset="0"/>
-              </a:rPr>
-              <a:t>endif %}</a:t>
-            </a:r>
-            <a:r>
-              <a:rPr lang="ru-RU" sz="3200" spc="-97" dirty="0">
-                <a:latin typeface="Times New Roman" panose="02020603050405020304" pitchFamily="18" charset="0"/>
-                <a:cs typeface="Times New Roman" panose="02020603050405020304" pitchFamily="18" charset="0"/>
-              </a:rPr>
-              <a:t> {% </a:t>
-            </a:r>
-            <a:r>
-              <a:rPr lang="en-US" sz="3200" spc="-97" dirty="0">
-                <a:latin typeface="Times New Roman" panose="02020603050405020304" pitchFamily="18" charset="0"/>
-                <a:cs typeface="Times New Roman" panose="02020603050405020304" pitchFamily="18" charset="0"/>
-              </a:rPr>
-              <a:t>endif %}</a:t>
-            </a:r>
-          </a:p>
-          <a:p>
-            <a:pPr>
-              <a:lnSpc>
-                <a:spcPts val="4794"/>
-              </a:lnSpc>
-            </a:pPr>
-            <a:r>
-              <a:rPr lang="en-US" sz="3200" spc="-97" dirty="0">
-                <a:latin typeface="Times New Roman" panose="02020603050405020304" pitchFamily="18" charset="0"/>
-                <a:cs typeface="Times New Roman" panose="02020603050405020304" pitchFamily="18" charset="0"/>
-              </a:rPr>
-              <a:t>{% if </a:t>
-            </a:r>
-            <a:r>
-              <a:rPr lang="en-US" sz="3200" spc="-97" dirty="0" err="1">
-                <a:latin typeface="Times New Roman" panose="02020603050405020304" pitchFamily="18" charset="0"/>
-                <a:cs typeface="Times New Roman" panose="02020603050405020304" pitchFamily="18" charset="0"/>
-              </a:rPr>
-              <a:t>procedure_form</a:t>
-            </a:r>
-            <a:r>
-              <a:rPr lang="en-US" sz="3200" spc="-97" dirty="0">
-                <a:latin typeface="Times New Roman" panose="02020603050405020304" pitchFamily="18" charset="0"/>
-                <a:cs typeface="Times New Roman" panose="02020603050405020304" pitchFamily="18" charset="0"/>
-              </a:rPr>
-              <a:t> == 2 %}{% if </a:t>
-            </a:r>
-            <a:r>
-              <a:rPr lang="en-US" sz="3200" spc="-97" dirty="0" err="1">
-                <a:latin typeface="Times New Roman" panose="02020603050405020304" pitchFamily="18" charset="0"/>
-                <a:cs typeface="Times New Roman" panose="02020603050405020304" pitchFamily="18" charset="0"/>
-              </a:rPr>
-              <a:t>price_decrease_step</a:t>
-            </a:r>
-            <a:r>
-              <a:rPr lang="en-US" sz="3200" spc="-97" dirty="0">
-                <a:latin typeface="Times New Roman" panose="02020603050405020304" pitchFamily="18" charset="0"/>
-                <a:cs typeface="Times New Roman" panose="02020603050405020304" pitchFamily="18" charset="0"/>
-              </a:rPr>
-              <a:t> %}</a:t>
-            </a:r>
-            <a:r>
-              <a:rPr lang="en-US" sz="3200" spc="-97" dirty="0" err="1">
-                <a:latin typeface="Times New Roman" panose="02020603050405020304" pitchFamily="18" charset="0"/>
-                <a:cs typeface="Times New Roman" panose="02020603050405020304" pitchFamily="18" charset="0"/>
-              </a:rPr>
-              <a:t>Шаг</a:t>
-            </a:r>
-            <a:r>
-              <a:rPr lang="en-US" sz="3200" spc="-97" dirty="0">
-                <a:latin typeface="Times New Roman" panose="02020603050405020304" pitchFamily="18" charset="0"/>
-                <a:cs typeface="Times New Roman" panose="02020603050405020304" pitchFamily="18" charset="0"/>
-              </a:rPr>
-              <a:t> </a:t>
-            </a:r>
-            <a:r>
-              <a:rPr lang="ru-RU" sz="3200" dirty="0"/>
-              <a:t>понижения</a:t>
-            </a:r>
-            <a:r>
-              <a:rPr lang="en-US" sz="3200" spc="-97" dirty="0">
-                <a:latin typeface="Times New Roman" panose="02020603050405020304" pitchFamily="18" charset="0"/>
-                <a:cs typeface="Times New Roman" panose="02020603050405020304" pitchFamily="18" charset="0"/>
-              </a:rPr>
-              <a:t>:                           {{ </a:t>
-            </a:r>
-            <a:r>
-              <a:rPr lang="en-US" sz="3200" spc="-97" dirty="0" err="1">
-                <a:latin typeface="Times New Roman" panose="02020603050405020304" pitchFamily="18" charset="0"/>
-                <a:cs typeface="Times New Roman" panose="02020603050405020304" pitchFamily="18" charset="0"/>
-              </a:rPr>
-              <a:t>price_decrease_step</a:t>
-            </a:r>
-            <a:r>
-              <a:rPr lang="en-US" sz="3200" spc="-97" dirty="0">
-                <a:latin typeface="Times New Roman" panose="02020603050405020304" pitchFamily="18" charset="0"/>
-                <a:cs typeface="Times New Roman" panose="02020603050405020304" pitchFamily="18" charset="0"/>
-              </a:rPr>
-              <a:t> }} </a:t>
-            </a:r>
-            <a:r>
-              <a:rPr lang="ru-RU" sz="3200" spc="-97" dirty="0">
-                <a:latin typeface="Times New Roman" panose="02020603050405020304" pitchFamily="18" charset="0"/>
-                <a:cs typeface="Times New Roman" panose="02020603050405020304" pitchFamily="18" charset="0"/>
-              </a:rPr>
-              <a:t>руб.{% </a:t>
-            </a:r>
-            <a:r>
-              <a:rPr lang="en-US" sz="3200" spc="-97" dirty="0">
-                <a:latin typeface="Times New Roman" panose="02020603050405020304" pitchFamily="18" charset="0"/>
-                <a:cs typeface="Times New Roman" panose="02020603050405020304" pitchFamily="18" charset="0"/>
-              </a:rPr>
-              <a:t>endif %}{% endif %}</a:t>
-            </a:r>
-          </a:p>
-        </p:txBody>
-      </p:sp>
-      <p:sp>
-        <p:nvSpPr>
-          <p:cNvPr id="13" name="TextBox 13"/>
-          <p:cNvSpPr txBox="1"/>
-          <p:nvPr/>
-        </p:nvSpPr>
-        <p:spPr>
-          <a:xfrm>
-            <a:off x="728579" y="6561113"/>
-            <a:ext cx="6085284" cy="615553"/>
-          </a:xfrm>
-          <a:prstGeom prst="rect">
-            <a:avLst/>
-          </a:prstGeom>
-        </p:spPr>
-        <p:txBody>
-          <a:bodyPr lIns="0" tIns="0" rIns="0" bIns="0" rtlCol="0" anchor="t">
-            <a:spAutoFit/>
-          </a:bodyPr>
-          <a:lstStyle/>
-          <a:p>
-            <a:pPr>
-              <a:lnSpc>
-                <a:spcPts val="4794"/>
-              </a:lnSpc>
-            </a:pPr>
-            <a:r>
-              <a:rPr lang="en-US" sz="3200" spc="-97" dirty="0" err="1">
-                <a:latin typeface="Times New Roman" panose="02020603050405020304" pitchFamily="18" charset="0"/>
-                <a:cs typeface="Times New Roman" panose="02020603050405020304" pitchFamily="18" charset="0"/>
-              </a:rPr>
-              <a:t>Окончание</a:t>
-            </a:r>
-            <a:r>
-              <a:rPr lang="en-US" sz="3200" spc="-97" dirty="0">
-                <a:latin typeface="Times New Roman" panose="02020603050405020304" pitchFamily="18" charset="0"/>
-                <a:cs typeface="Times New Roman" panose="02020603050405020304" pitchFamily="18" charset="0"/>
-              </a:rPr>
-              <a:t> </a:t>
-            </a:r>
-            <a:r>
-              <a:rPr lang="en-US" sz="3200" spc="-97" dirty="0" err="1">
-                <a:latin typeface="Times New Roman" panose="02020603050405020304" pitchFamily="18" charset="0"/>
-                <a:cs typeface="Times New Roman" panose="02020603050405020304" pitchFamily="18" charset="0"/>
-              </a:rPr>
-              <a:t>приема</a:t>
-            </a:r>
-            <a:r>
-              <a:rPr lang="en-US" sz="3200" spc="-97" dirty="0">
-                <a:latin typeface="Times New Roman" panose="02020603050405020304" pitchFamily="18" charset="0"/>
-                <a:cs typeface="Times New Roman" panose="02020603050405020304" pitchFamily="18" charset="0"/>
-              </a:rPr>
-              <a:t> </a:t>
-            </a:r>
-            <a:r>
-              <a:rPr lang="en-US" sz="3200" spc="-97" dirty="0" err="1">
-                <a:latin typeface="Times New Roman" panose="02020603050405020304" pitchFamily="18" charset="0"/>
-                <a:cs typeface="Times New Roman" panose="02020603050405020304" pitchFamily="18" charset="0"/>
-              </a:rPr>
-              <a:t>заявок</a:t>
-            </a:r>
-            <a:r>
-              <a:rPr lang="en-US" sz="3200" spc="-97" dirty="0">
-                <a:latin typeface="Times New Roman" panose="02020603050405020304" pitchFamily="18" charset="0"/>
-                <a:cs typeface="Times New Roman" panose="02020603050405020304" pitchFamily="18" charset="0"/>
-              </a:rPr>
-              <a:t>:</a:t>
-            </a:r>
-          </a:p>
-        </p:txBody>
-      </p:sp>
-      <p:sp>
-        <p:nvSpPr>
-          <p:cNvPr id="14" name="TextBox 14"/>
-          <p:cNvSpPr txBox="1"/>
-          <p:nvPr/>
-        </p:nvSpPr>
-        <p:spPr>
-          <a:xfrm>
-            <a:off x="728579" y="7230832"/>
-            <a:ext cx="4540330" cy="615553"/>
-          </a:xfrm>
-          <a:prstGeom prst="rect">
-            <a:avLst/>
-          </a:prstGeom>
-        </p:spPr>
-        <p:txBody>
-          <a:bodyPr lIns="0" tIns="0" rIns="0" bIns="0" rtlCol="0" anchor="t">
-            <a:spAutoFit/>
-          </a:bodyPr>
-          <a:lstStyle/>
-          <a:p>
-            <a:pPr>
-              <a:lnSpc>
-                <a:spcPts val="4794"/>
-              </a:lnSpc>
-            </a:pPr>
-            <a:r>
-              <a:rPr lang="en-US" sz="3200" spc="-97" dirty="0" err="1">
-                <a:latin typeface="Times New Roman" panose="02020603050405020304" pitchFamily="18" charset="0"/>
-                <a:cs typeface="Times New Roman" panose="02020603050405020304" pitchFamily="18" charset="0"/>
-              </a:rPr>
-              <a:t>Проведение</a:t>
-            </a:r>
-            <a:r>
-              <a:rPr lang="en-US" sz="3200" spc="-97" dirty="0">
-                <a:latin typeface="Times New Roman" panose="02020603050405020304" pitchFamily="18" charset="0"/>
-                <a:cs typeface="Times New Roman" panose="02020603050405020304" pitchFamily="18" charset="0"/>
-              </a:rPr>
-              <a:t> </a:t>
-            </a:r>
-            <a:r>
-              <a:rPr lang="en-US" sz="3200" spc="-97" dirty="0" err="1">
-                <a:latin typeface="Times New Roman" panose="02020603050405020304" pitchFamily="18" charset="0"/>
-                <a:cs typeface="Times New Roman" panose="02020603050405020304" pitchFamily="18" charset="0"/>
-              </a:rPr>
-              <a:t>торгов</a:t>
-            </a:r>
-            <a:r>
-              <a:rPr lang="en-US" sz="3200" spc="-97" dirty="0">
-                <a:latin typeface="Times New Roman" panose="02020603050405020304" pitchFamily="18" charset="0"/>
-                <a:cs typeface="Times New Roman" panose="02020603050405020304" pitchFamily="18" charset="0"/>
-              </a:rPr>
-              <a:t>: </a:t>
-            </a:r>
-          </a:p>
-        </p:txBody>
-      </p:sp>
-      <p:sp>
-        <p:nvSpPr>
-          <p:cNvPr id="15" name="TextBox 15"/>
-          <p:cNvSpPr txBox="1"/>
-          <p:nvPr/>
-        </p:nvSpPr>
-        <p:spPr>
-          <a:xfrm>
-            <a:off x="728579" y="7946271"/>
-            <a:ext cx="4824889" cy="615553"/>
-          </a:xfrm>
-          <a:prstGeom prst="rect">
-            <a:avLst/>
-          </a:prstGeom>
-        </p:spPr>
-        <p:txBody>
-          <a:bodyPr lIns="0" tIns="0" rIns="0" bIns="0" rtlCol="0" anchor="t">
-            <a:spAutoFit/>
-          </a:bodyPr>
-          <a:lstStyle/>
-          <a:p>
-            <a:pPr>
-              <a:lnSpc>
-                <a:spcPts val="4794"/>
-              </a:lnSpc>
-            </a:pPr>
-            <a:r>
-              <a:rPr lang="en-US" sz="3200" spc="-97" dirty="0" err="1">
-                <a:latin typeface="Times New Roman" panose="02020603050405020304" pitchFamily="18" charset="0"/>
-                <a:cs typeface="Times New Roman" panose="02020603050405020304" pitchFamily="18" charset="0"/>
-              </a:rPr>
-              <a:t>Задаток</a:t>
-            </a:r>
-            <a:r>
-              <a:rPr lang="en-US" sz="3200" spc="-97" dirty="0">
-                <a:latin typeface="Times New Roman" panose="02020603050405020304" pitchFamily="18" charset="0"/>
-                <a:cs typeface="Times New Roman" panose="02020603050405020304" pitchFamily="18" charset="0"/>
-              </a:rPr>
-              <a:t> </a:t>
-            </a:r>
-            <a:r>
-              <a:rPr lang="en-US" sz="3200" spc="-97" dirty="0" err="1">
-                <a:latin typeface="Times New Roman" panose="02020603050405020304" pitchFamily="18" charset="0"/>
-                <a:cs typeface="Times New Roman" panose="02020603050405020304" pitchFamily="18" charset="0"/>
-              </a:rPr>
-              <a:t>для</a:t>
-            </a:r>
-            <a:r>
-              <a:rPr lang="en-US" sz="3200" spc="-97" dirty="0">
-                <a:latin typeface="Times New Roman" panose="02020603050405020304" pitchFamily="18" charset="0"/>
-                <a:cs typeface="Times New Roman" panose="02020603050405020304" pitchFamily="18" charset="0"/>
-              </a:rPr>
-              <a:t> </a:t>
-            </a:r>
-            <a:r>
-              <a:rPr lang="en-US" sz="3200" spc="-97" dirty="0" err="1">
-                <a:latin typeface="Times New Roman" panose="02020603050405020304" pitchFamily="18" charset="0"/>
-                <a:cs typeface="Times New Roman" panose="02020603050405020304" pitchFamily="18" charset="0"/>
-              </a:rPr>
-              <a:t>участия</a:t>
-            </a:r>
-            <a:r>
-              <a:rPr lang="en-US" sz="3200" spc="-97" dirty="0">
-                <a:latin typeface="Times New Roman" panose="02020603050405020304" pitchFamily="18" charset="0"/>
-                <a:cs typeface="Times New Roman" panose="02020603050405020304" pitchFamily="18" charset="0"/>
-              </a:rPr>
-              <a:t>: </a:t>
-            </a:r>
-          </a:p>
-        </p:txBody>
-      </p:sp>
-      <p:sp>
-        <p:nvSpPr>
-          <p:cNvPr id="16" name="TextBox 16"/>
-          <p:cNvSpPr txBox="1"/>
-          <p:nvPr/>
-        </p:nvSpPr>
-        <p:spPr>
-          <a:xfrm>
-            <a:off x="1828800" y="4969074"/>
-            <a:ext cx="15971401" cy="1154162"/>
-          </a:xfrm>
-          <a:prstGeom prst="rect">
-            <a:avLst/>
-          </a:prstGeom>
-        </p:spPr>
-        <p:txBody>
-          <a:bodyPr lIns="0" tIns="0" rIns="0" bIns="0" rtlCol="0" anchor="t">
-            <a:spAutoFit/>
-          </a:bodyPr>
-          <a:lstStyle/>
-          <a:p>
-            <a:pPr algn="ctr">
-              <a:lnSpc>
-                <a:spcPts val="8959"/>
-              </a:lnSpc>
-            </a:pPr>
-            <a:r>
-              <a:rPr lang="en-US" sz="3200" b="1" dirty="0" err="1">
-                <a:latin typeface="Times New Roman" panose="02020603050405020304" pitchFamily="18" charset="0"/>
-                <a:cs typeface="Times New Roman" panose="02020603050405020304" pitchFamily="18" charset="0"/>
-              </a:rPr>
-              <a:t>Информация</a:t>
-            </a:r>
-            <a:r>
-              <a:rPr lang="en-US" sz="3200" b="1" dirty="0">
-                <a:solidFill>
-                  <a:schemeClr val="bg1"/>
-                </a:solidFill>
-                <a:latin typeface="Times New Roman" panose="02020603050405020304" pitchFamily="18" charset="0"/>
-                <a:cs typeface="Times New Roman" panose="02020603050405020304" pitchFamily="18" charset="0"/>
-              </a:rPr>
-              <a:t> </a:t>
-            </a:r>
-            <a:r>
-              <a:rPr lang="en-US" sz="3200" b="1" dirty="0" err="1">
-                <a:latin typeface="Times New Roman" panose="02020603050405020304" pitchFamily="18" charset="0"/>
-                <a:cs typeface="Times New Roman" panose="02020603050405020304" pitchFamily="18" charset="0"/>
-              </a:rPr>
-              <a:t>об</a:t>
-            </a:r>
-            <a:r>
-              <a:rPr lang="en-US" sz="3200" b="1" dirty="0">
-                <a:solidFill>
-                  <a:schemeClr val="bg1"/>
-                </a:solidFill>
-                <a:latin typeface="Times New Roman" panose="02020603050405020304" pitchFamily="18" charset="0"/>
-                <a:cs typeface="Times New Roman" panose="02020603050405020304" pitchFamily="18" charset="0"/>
-              </a:rPr>
-              <a:t> </a:t>
-            </a:r>
-            <a:r>
-              <a:rPr lang="en-US" sz="3200" b="1" dirty="0" err="1">
-                <a:latin typeface="Times New Roman" panose="02020603050405020304" pitchFamily="18" charset="0"/>
-                <a:cs typeface="Times New Roman" panose="02020603050405020304" pitchFamily="18" charset="0"/>
-              </a:rPr>
-              <a:t>электронных</a:t>
-            </a:r>
-            <a:r>
-              <a:rPr lang="en-US" sz="3200" b="1" dirty="0">
-                <a:solidFill>
-                  <a:schemeClr val="bg1"/>
-                </a:solidFill>
-                <a:latin typeface="Times New Roman" panose="02020603050405020304" pitchFamily="18" charset="0"/>
-                <a:cs typeface="Times New Roman" panose="02020603050405020304" pitchFamily="18" charset="0"/>
-              </a:rPr>
-              <a:t> </a:t>
-            </a:r>
-            <a:r>
-              <a:rPr lang="en-US" sz="3200" b="1" dirty="0" err="1">
-                <a:latin typeface="Times New Roman" panose="02020603050405020304" pitchFamily="18" charset="0"/>
-                <a:cs typeface="Times New Roman" panose="02020603050405020304" pitchFamily="18" charset="0"/>
-              </a:rPr>
-              <a:t>торгах</a:t>
-            </a:r>
-            <a:r>
-              <a:rPr lang="en-US" sz="3200" b="1" dirty="0">
-                <a:solidFill>
-                  <a:schemeClr val="bg1"/>
-                </a:solidFill>
-                <a:latin typeface="Times New Roman" panose="02020603050405020304" pitchFamily="18" charset="0"/>
-                <a:cs typeface="Times New Roman" panose="02020603050405020304" pitchFamily="18" charset="0"/>
-              </a:rPr>
-              <a:t>:</a:t>
-            </a:r>
-          </a:p>
-        </p:txBody>
-      </p:sp>
-      <p:sp>
-        <p:nvSpPr>
-          <p:cNvPr id="17" name="TextBox 17"/>
-          <p:cNvSpPr txBox="1"/>
-          <p:nvPr/>
-        </p:nvSpPr>
-        <p:spPr>
-          <a:xfrm>
-            <a:off x="13305711" y="2234309"/>
-            <a:ext cx="4253710" cy="448841"/>
-          </a:xfrm>
-          <a:prstGeom prst="rect">
-            <a:avLst/>
-          </a:prstGeom>
-        </p:spPr>
-        <p:txBody>
-          <a:bodyPr wrap="square" lIns="0" tIns="0" rIns="0" bIns="0" rtlCol="0" anchor="t">
-            <a:spAutoFit/>
-          </a:bodyPr>
-          <a:lstStyle/>
-          <a:p>
-            <a:pPr>
-              <a:lnSpc>
-                <a:spcPts val="3499"/>
-              </a:lnSpc>
-            </a:pPr>
-            <a:r>
-              <a:rPr lang="en-US" sz="3200" dirty="0">
-                <a:latin typeface="Times New Roman" panose="02020603050405020304" pitchFamily="18" charset="0"/>
-                <a:cs typeface="Times New Roman" panose="02020603050405020304" pitchFamily="18" charset="0"/>
-              </a:rPr>
-              <a:t>{{ m1_start_price }} </a:t>
-            </a:r>
-            <a:r>
-              <a:rPr lang="en-US" sz="3200" dirty="0" err="1">
-                <a:latin typeface="Times New Roman" panose="02020603050405020304" pitchFamily="18" charset="0"/>
-                <a:cs typeface="Times New Roman" panose="02020603050405020304" pitchFamily="18" charset="0"/>
-              </a:rPr>
-              <a:t>руб</a:t>
-            </a:r>
-            <a:r>
-              <a:rPr lang="ru-RU" sz="3200" dirty="0">
-                <a:latin typeface="Times New Roman" panose="02020603050405020304" pitchFamily="18" charset="0"/>
-                <a:cs typeface="Times New Roman" panose="02020603050405020304" pitchFamily="18" charset="0"/>
-              </a:rPr>
-              <a:t>.</a:t>
-            </a:r>
-            <a:endParaRPr lang="en-US" sz="3200" dirty="0">
-              <a:latin typeface="Times New Roman" panose="02020603050405020304" pitchFamily="18" charset="0"/>
-              <a:cs typeface="Times New Roman" panose="02020603050405020304" pitchFamily="18" charset="0"/>
-            </a:endParaRPr>
-          </a:p>
-        </p:txBody>
-      </p:sp>
-      <p:sp>
-        <p:nvSpPr>
-          <p:cNvPr id="19" name="TextBox 19"/>
-          <p:cNvSpPr txBox="1"/>
-          <p:nvPr/>
-        </p:nvSpPr>
-        <p:spPr>
-          <a:xfrm>
-            <a:off x="9680630" y="2094336"/>
-            <a:ext cx="2779657" cy="615553"/>
-          </a:xfrm>
-          <a:prstGeom prst="rect">
-            <a:avLst/>
-          </a:prstGeom>
-        </p:spPr>
-        <p:txBody>
-          <a:bodyPr lIns="0" tIns="0" rIns="0" bIns="0" rtlCol="0" anchor="t">
-            <a:spAutoFit/>
-          </a:bodyPr>
-          <a:lstStyle/>
-          <a:p>
-            <a:pPr>
-              <a:lnSpc>
-                <a:spcPts val="4794"/>
-              </a:lnSpc>
-            </a:pPr>
-            <a:r>
-              <a:rPr lang="en-US" sz="3200" spc="-97" dirty="0" err="1">
-                <a:latin typeface="Times New Roman" panose="02020603050405020304" pitchFamily="18" charset="0"/>
-                <a:cs typeface="Times New Roman" panose="02020603050405020304" pitchFamily="18" charset="0"/>
-              </a:rPr>
-              <a:t>цена</a:t>
-            </a:r>
-            <a:r>
-              <a:rPr lang="en-US" sz="3200" spc="-97" dirty="0">
-                <a:latin typeface="Times New Roman" panose="02020603050405020304" pitchFamily="18" charset="0"/>
-                <a:cs typeface="Times New Roman" panose="02020603050405020304" pitchFamily="18" charset="0"/>
-              </a:rPr>
-              <a:t> 1 </a:t>
-            </a:r>
-            <a:r>
-              <a:rPr lang="en-US" sz="3200" spc="-97" dirty="0" err="1">
-                <a:latin typeface="Times New Roman" panose="02020603050405020304" pitchFamily="18" charset="0"/>
-                <a:cs typeface="Times New Roman" panose="02020603050405020304" pitchFamily="18" charset="0"/>
-              </a:rPr>
-              <a:t>кв.м</a:t>
-            </a:r>
-            <a:r>
-              <a:rPr lang="en-US" sz="3200" spc="-97" dirty="0">
-                <a:latin typeface="Times New Roman" panose="02020603050405020304" pitchFamily="18" charset="0"/>
-                <a:cs typeface="Times New Roman" panose="02020603050405020304" pitchFamily="18" charset="0"/>
-              </a:rPr>
-              <a:t>: </a:t>
-            </a:r>
-          </a:p>
-        </p:txBody>
-      </p:sp>
-      <p:sp>
-        <p:nvSpPr>
-          <p:cNvPr id="20" name="TextBox 20"/>
-          <p:cNvSpPr txBox="1"/>
-          <p:nvPr/>
-        </p:nvSpPr>
-        <p:spPr>
-          <a:xfrm>
-            <a:off x="9680630" y="2683150"/>
-            <a:ext cx="8339221" cy="1173398"/>
-          </a:xfrm>
-          <a:prstGeom prst="rect">
-            <a:avLst/>
-          </a:prstGeom>
-        </p:spPr>
-        <p:txBody>
-          <a:bodyPr wrap="square" lIns="0" tIns="0" rIns="0" bIns="0" rtlCol="0" anchor="t">
-            <a:spAutoFit/>
-          </a:bodyPr>
-          <a:lstStyle/>
-          <a:p>
-            <a:pPr>
-              <a:lnSpc>
-                <a:spcPts val="4794"/>
-              </a:lnSpc>
-            </a:pPr>
-            <a:r>
-              <a:rPr lang="en-US" sz="3200" spc="-97" dirty="0">
-                <a:latin typeface="Times New Roman" panose="02020603050405020304" pitchFamily="18" charset="0"/>
-                <a:cs typeface="Times New Roman" panose="02020603050405020304" pitchFamily="18" charset="0"/>
-              </a:rPr>
-              <a:t>{% if m1_min_price %}</a:t>
-            </a:r>
-            <a:r>
-              <a:rPr lang="en-US" sz="3200" spc="-97" dirty="0" err="1">
-                <a:latin typeface="Times New Roman" panose="02020603050405020304" pitchFamily="18" charset="0"/>
-                <a:cs typeface="Times New Roman" panose="02020603050405020304" pitchFamily="18" charset="0"/>
-              </a:rPr>
-              <a:t>цена</a:t>
-            </a:r>
-            <a:r>
-              <a:rPr lang="en-US" sz="3200" spc="-97" dirty="0">
-                <a:latin typeface="Times New Roman" panose="02020603050405020304" pitchFamily="18" charset="0"/>
-                <a:cs typeface="Times New Roman" panose="02020603050405020304" pitchFamily="18" charset="0"/>
-              </a:rPr>
-              <a:t> 1 </a:t>
-            </a:r>
-            <a:r>
-              <a:rPr lang="en-US" sz="3200" spc="-97" dirty="0" err="1">
-                <a:latin typeface="Times New Roman" panose="02020603050405020304" pitchFamily="18" charset="0"/>
-                <a:cs typeface="Times New Roman" panose="02020603050405020304" pitchFamily="18" charset="0"/>
-              </a:rPr>
-              <a:t>кв.м</a:t>
-            </a:r>
-            <a:r>
-              <a:rPr lang="en-US" sz="3200" spc="-97" dirty="0">
-                <a:latin typeface="Times New Roman" panose="02020603050405020304" pitchFamily="18" charset="0"/>
-                <a:cs typeface="Times New Roman" panose="02020603050405020304" pitchFamily="18" charset="0"/>
-              </a:rPr>
-              <a:t>:                   {{ m1_min_price }} </a:t>
-            </a:r>
-            <a:r>
-              <a:rPr lang="ru-RU" sz="3200" spc="-97" dirty="0">
-                <a:latin typeface="Times New Roman" panose="02020603050405020304" pitchFamily="18" charset="0"/>
-                <a:cs typeface="Times New Roman" panose="02020603050405020304" pitchFamily="18" charset="0"/>
-              </a:rPr>
-              <a:t>руб.{% </a:t>
-            </a:r>
-            <a:r>
-              <a:rPr lang="en-US" sz="3200" spc="-97" dirty="0">
-                <a:latin typeface="Times New Roman" panose="02020603050405020304" pitchFamily="18" charset="0"/>
-                <a:cs typeface="Times New Roman" panose="02020603050405020304" pitchFamily="18" charset="0"/>
-              </a:rPr>
-              <a:t>endif %} </a:t>
-            </a:r>
+        <p:style>
+          <a:lnRef idx="2">
+            <a:schemeClr val="accent1">
+              <a:shade val="15000"/>
+            </a:schemeClr>
+          </a:lnRef>
+          <a:fillRef idx="1">
+            <a:schemeClr val="accent1"/>
+          </a:fillRef>
+          <a:effectRef idx="0">
+            <a:schemeClr val="accent1"/>
+          </a:effectRef>
+          <a:fontRef idx="minor">
+            <a:schemeClr val="lt1"/>
+          </a:fontRef>
+        </p:style>
+        <p:txBody>
+          <a:bodyPr rtlCol="0" anchor="ctr"/>
+          <a:lstStyle/>
+          <a:p>
+            <a:pPr algn="ctr"/>
+            <a:r>
+              <a:rPr lang="en-US" dirty="0"/>
+              <a:t>Img4</a:t>
+            </a:r>
+            <a:endParaRPr lang="ru-RU" dirty="0"/>
           </a:p>
         </p:txBody>
       </p:sp>
     </p:spTree>
-    <p:extLst>
-      <p:ext uri="{BB962C8B-B14F-4D97-AF65-F5344CB8AC3E}">
-        <p14:creationId xmlns:p14="http://schemas.microsoft.com/office/powerpoint/2010/main" val="477776490"/>
-      </p:ext>
-    </p:extLst>
   </p:cSld>
   <p:clrMapOvr>
     <a:masterClrMapping/>
@@ -6109,7 +5236,7 @@
             <a:pPr algn="ctr"/>
             <a:r>
               <a:rPr lang="en-US" dirty="0"/>
-              <a:t>Img1</a:t>
+              <a:t>Img5</a:t>
             </a:r>
             <a:endParaRPr lang="ru-RU" dirty="0"/>
           </a:p>
@@ -6159,7 +5286,7 @@
             <a:pPr algn="ctr"/>
             <a:r>
               <a:rPr lang="en-US" dirty="0"/>
-              <a:t>Img2</a:t>
+              <a:t>Img6</a:t>
             </a:r>
             <a:endParaRPr lang="ru-RU" dirty="0"/>
           </a:p>
@@ -6209,7 +5336,7 @@
             <a:pPr algn="ctr"/>
             <a:r>
               <a:rPr lang="en-US" dirty="0"/>
-              <a:t>Img3</a:t>
+              <a:t>Img7</a:t>
             </a:r>
             <a:endParaRPr lang="ru-RU" dirty="0"/>
           </a:p>
@@ -6259,13 +5386,18 @@
             <a:pPr algn="ctr"/>
             <a:r>
               <a:rPr lang="en-US" dirty="0"/>
-              <a:t>Img4</a:t>
+              <a:t>Img8</a:t>
             </a:r>
             <a:endParaRPr lang="ru-RU" dirty="0"/>
           </a:p>
         </p:txBody>
       </p:sp>
     </p:spTree>
+    <p:extLst>
+      <p:ext uri="{BB962C8B-B14F-4D97-AF65-F5344CB8AC3E}">
+        <p14:creationId xmlns:p14="http://schemas.microsoft.com/office/powerpoint/2010/main" val="465217560"/>
+      </p:ext>
+    </p:extLst>
   </p:cSld>
   <p:clrMapOvr>
     <a:masterClrMapping/>
@@ -6334,7 +5466,7 @@
             <a:pPr algn="ctr"/>
             <a:r>
               <a:rPr lang="en-US" dirty="0"/>
-              <a:t>Img5</a:t>
+              <a:t>Img9</a:t>
             </a:r>
             <a:endParaRPr lang="ru-RU" dirty="0"/>
           </a:p>
@@ -6384,7 +5516,7 @@
             <a:pPr algn="ctr"/>
             <a:r>
               <a:rPr lang="en-US" dirty="0"/>
-              <a:t>Img6</a:t>
+              <a:t>Img10</a:t>
             </a:r>
             <a:endParaRPr lang="ru-RU" dirty="0"/>
           </a:p>
@@ -6434,7 +5566,7 @@
             <a:pPr algn="ctr"/>
             <a:r>
               <a:rPr lang="en-US" dirty="0"/>
-              <a:t>Img7</a:t>
+              <a:t>Img11</a:t>
             </a:r>
             <a:endParaRPr lang="ru-RU" dirty="0"/>
           </a:p>
@@ -6484,7 +5616,7 @@
             <a:pPr algn="ctr"/>
             <a:r>
               <a:rPr lang="en-US" dirty="0"/>
-              <a:t>Img8</a:t>
+              <a:t>Img12</a:t>
             </a:r>
             <a:endParaRPr lang="ru-RU" dirty="0"/>
           </a:p>
@@ -6493,7 +5625,7 @@
     </p:spTree>
     <p:extLst>
       <p:ext uri="{BB962C8B-B14F-4D97-AF65-F5344CB8AC3E}">
-        <p14:creationId xmlns:p14="http://schemas.microsoft.com/office/powerpoint/2010/main" val="465217560"/>
+        <p14:creationId xmlns:p14="http://schemas.microsoft.com/office/powerpoint/2010/main" val="1428581670"/>
       </p:ext>
     </p:extLst>
   </p:cSld>
@@ -6525,7 +5657,7 @@
           <p:cNvPr id="2" name="Прямоугольник 1">
             <a:extLst>
               <a:ext uri="{FF2B5EF4-FFF2-40B4-BE49-F238E27FC236}">
-                <a16:creationId xmlns:a16="http://schemas.microsoft.com/office/drawing/2014/main" id="{3C07B3A1-5A6F-92C0-EF49-8AB49A3F171C}"/>
+                <a16:creationId xmlns:a16="http://schemas.microsoft.com/office/drawing/2014/main" id="{3637C563-CD26-5E75-80FF-3BA1FC6EF059}"/>
               </a:ext>
             </a:extLst>
           </p:cNvPr>
@@ -6534,8 +5666,8 @@
         </p:nvSpPr>
         <p:spPr>
           <a:xfrm>
-            <a:off x="1600200" y="342900"/>
-            <a:ext cx="6286706" cy="4692542"/>
+            <a:off x="2133600" y="723900"/>
+            <a:ext cx="13716000" cy="8686800"/>
           </a:xfrm>
           <a:prstGeom prst="rect">
             <a:avLst/>
@@ -6564,168 +5696,13 @@
             <a:pPr algn="ctr"/>
             <a:r>
               <a:rPr lang="en-US" dirty="0"/>
-              <a:t>Img9</a:t>
+              <a:t>plan</a:t>
             </a:r>
             <a:endParaRPr lang="ru-RU" dirty="0"/>
           </a:p>
         </p:txBody>
       </p:sp>
-      <p:sp>
-        <p:nvSpPr>
-          <p:cNvPr id="3" name="Прямоугольник 2">
-            <a:extLst>
-              <a:ext uri="{FF2B5EF4-FFF2-40B4-BE49-F238E27FC236}">
-                <a16:creationId xmlns:a16="http://schemas.microsoft.com/office/drawing/2014/main" id="{363FC139-6A45-6BEA-D6EF-38FD677ECADA}"/>
-              </a:ext>
-            </a:extLst>
-          </p:cNvPr>
-          <p:cNvSpPr/>
-          <p:nvPr/>
-        </p:nvSpPr>
-        <p:spPr>
-          <a:xfrm>
-            <a:off x="10439400" y="342900"/>
-            <a:ext cx="6286706" cy="4692542"/>
-          </a:xfrm>
-          <a:prstGeom prst="rect">
-            <a:avLst/>
-          </a:prstGeom>
-        </p:spPr>
-        <p:style>
-          <a:lnRef idx="2">
-            <a:schemeClr val="accent1">
-              <a:shade val="15000"/>
-            </a:schemeClr>
-          </a:lnRef>
-          <a:fillRef idx="1">
-            <a:schemeClr val="accent1"/>
-          </a:fillRef>
-          <a:effectRef idx="0">
-            <a:schemeClr val="accent1"/>
-          </a:effectRef>
-          <a:fontRef idx="minor">
-            <a:schemeClr val="lt1"/>
-          </a:fontRef>
-        </p:style>
-        <p:txBody>
-          <a:bodyPr rtlCol="0" anchor="ctr"/>
-          <a:lstStyle/>
-          <a:p>
-            <a:pPr algn="ctr"/>
-            <a:r>
-              <a:rPr lang="en-US" dirty="0"/>
-              <a:t>Img10</a:t>
-            </a:r>
-            <a:endParaRPr lang="ru-RU" dirty="0"/>
-          </a:p>
-        </p:txBody>
-      </p:sp>
-      <p:sp>
-        <p:nvSpPr>
-          <p:cNvPr id="4" name="Прямоугольник 3">
-            <a:extLst>
-              <a:ext uri="{FF2B5EF4-FFF2-40B4-BE49-F238E27FC236}">
-                <a16:creationId xmlns:a16="http://schemas.microsoft.com/office/drawing/2014/main" id="{37ABC095-82BD-9302-4AFE-FEA0C9C334E2}"/>
-              </a:ext>
-            </a:extLst>
-          </p:cNvPr>
-          <p:cNvSpPr/>
-          <p:nvPr/>
-        </p:nvSpPr>
-        <p:spPr>
-          <a:xfrm>
-            <a:off x="1597465" y="5219700"/>
-            <a:ext cx="6286706" cy="4692542"/>
-          </a:xfrm>
-          <a:prstGeom prst="rect">
-            <a:avLst/>
-          </a:prstGeom>
-        </p:spPr>
-        <p:style>
-          <a:lnRef idx="2">
-            <a:schemeClr val="accent1">
-              <a:shade val="15000"/>
-            </a:schemeClr>
-          </a:lnRef>
-          <a:fillRef idx="1">
-            <a:schemeClr val="accent1"/>
-          </a:fillRef>
-          <a:effectRef idx="0">
-            <a:schemeClr val="accent1"/>
-          </a:effectRef>
-          <a:fontRef idx="minor">
-            <a:schemeClr val="lt1"/>
-          </a:fontRef>
-        </p:style>
-        <p:txBody>
-          <a:bodyPr rtlCol="0" anchor="ctr"/>
-          <a:lstStyle/>
-          <a:p>
-            <a:pPr algn="ctr"/>
-            <a:r>
-              <a:rPr lang="en-US" dirty="0"/>
-              <a:t>Img11</a:t>
-            </a:r>
-            <a:endParaRPr lang="ru-RU" dirty="0"/>
-          </a:p>
-        </p:txBody>
-      </p:sp>
-      <p:sp>
-        <p:nvSpPr>
-          <p:cNvPr id="5" name="Прямоугольник 4">
-            <a:extLst>
-              <a:ext uri="{FF2B5EF4-FFF2-40B4-BE49-F238E27FC236}">
-                <a16:creationId xmlns:a16="http://schemas.microsoft.com/office/drawing/2014/main" id="{E9004B74-8315-5099-D1C2-0572BE70D17F}"/>
-              </a:ext>
-            </a:extLst>
-          </p:cNvPr>
-          <p:cNvSpPr/>
-          <p:nvPr/>
-        </p:nvSpPr>
-        <p:spPr>
-          <a:xfrm>
-            <a:off x="10439194" y="5219700"/>
-            <a:ext cx="6286706" cy="4692542"/>
-          </a:xfrm>
-          <a:prstGeom prst="rect">
-            <a:avLst/>
-          </a:prstGeom>
-        </p:spPr>
-        <p:style>
-          <a:lnRef idx="2">
-            <a:schemeClr val="accent1">
-              <a:shade val="15000"/>
-            </a:schemeClr>
-          </a:lnRef>
-          <a:fillRef idx="1">
-            <a:schemeClr val="accent1"/>
-          </a:fillRef>
-          <a:effectRef idx="0">
-            <a:schemeClr val="accent1"/>
-          </a:effectRef>
-          <a:fontRef idx="minor">
-            <a:schemeClr val="lt1"/>
-          </a:fontRef>
-        </p:style>
-        <p:txBody>
-          <a:bodyPr rtlCol="0" anchor="ctr"/>
-          <a:lstStyle/>
-          <a:p>
-            <a:pPr algn="ctr"/>
-            <a:r>
-              <a:rPr lang="en-US" dirty="0"/>
-              <a:t>Img12</a:t>
-            </a:r>
-            <a:endParaRPr lang="ru-RU" dirty="0"/>
-          </a:p>
-        </p:txBody>
-      </p:sp>
     </p:spTree>
-    <p:extLst>
-      <p:ext uri="{BB962C8B-B14F-4D97-AF65-F5344CB8AC3E}">
-        <p14:creationId xmlns:p14="http://schemas.microsoft.com/office/powerpoint/2010/main" val="1428581670"/>
-      </p:ext>
-    </p:extLst>
   </p:cSld>
   <p:clrMapOvr>
     <a:masterClrMapping/>
@@ -6734,81 +5711,6 @@
 </file>
 
 <file path=ppt/slides/slide7.xml><?xml version="1.0" encoding="utf-8"?>
-<p:sld xmlns:a="http://schemas.openxmlformats.org/drawingml/2006/main" xmlns:r="http://schemas.openxmlformats.org/officeDocument/2006/relationships" xmlns:p="http://schemas.openxmlformats.org/presentationml/2006/main">
-  <p:cSld>
-    <p:spTree>
-      <p:nvGrpSpPr>
-        <p:cNvPr id="1" name=""/>
-        <p:cNvGrpSpPr/>
-        <p:nvPr/>
-      </p:nvGrpSpPr>
-      <p:grpSpPr>
-        <a:xfrm>
-          <a:off x="0" y="0"/>
-          <a:ext cx="0" cy="0"/>
-          <a:chOff x="0" y="0"/>
-          <a:chExt cx="0" cy="0"/>
-        </a:xfrm>
-      </p:grpSpPr>
-      <p:sp>
-        <p:nvSpPr>
-          <p:cNvPr id="2" name="Прямоугольник 1">
-            <a:extLst>
-              <a:ext uri="{FF2B5EF4-FFF2-40B4-BE49-F238E27FC236}">
-                <a16:creationId xmlns:a16="http://schemas.microsoft.com/office/drawing/2014/main" id="{3637C563-CD26-5E75-80FF-3BA1FC6EF059}"/>
-              </a:ext>
-            </a:extLst>
-          </p:cNvPr>
-          <p:cNvSpPr/>
-          <p:nvPr/>
-        </p:nvSpPr>
-        <p:spPr>
-          <a:xfrm>
-            <a:off x="2133600" y="723900"/>
-            <a:ext cx="13716000" cy="8686800"/>
-          </a:xfrm>
-          <a:prstGeom prst="rect">
-            <a:avLst/>
-          </a:prstGeom>
-        </p:spPr>
-        <p:style>
-          <a:lnRef idx="2">
-            <a:schemeClr val="accent1">
-              <a:shade val="15000"/>
-            </a:schemeClr>
-          </a:lnRef>
-          <a:fillRef idx="1">
-            <a:schemeClr val="accent1"/>
-          </a:fillRef>
-          <a:effectRef idx="0">
-            <a:schemeClr val="accent1"/>
-          </a:effectRef>
-          <a:fontRef idx="minor">
-            <a:schemeClr val="lt1"/>
-          </a:fontRef>
-        </p:style>
-        <p:txBody>
-          <a:bodyPr rtlCol="0" anchor="ctr"/>
-          <a:lstStyle/>
-          <a:p>
-            <a:pPr algn="ctr"/>
-            <a:r>
-              <a:rPr lang="en-US" dirty="0"/>
-              <a:t>plan</a:t>
-            </a:r>
-            <a:endParaRPr lang="ru-RU" dirty="0"/>
-          </a:p>
-        </p:txBody>
-      </p:sp>
-    </p:spTree>
-  </p:cSld>
-  <p:clrMapOvr>
-    <a:masterClrMapping/>
-  </p:clrMapOvr>
-</p:sld>
-</file>
-
-<file path=ppt/slides/slide8.xml><?xml version="1.0" encoding="utf-8"?>
 <p:sld xmlns:a="http://schemas.openxmlformats.org/drawingml/2006/main" xmlns:r="http://schemas.openxmlformats.org/officeDocument/2006/relationships" xmlns:p="http://schemas.openxmlformats.org/presentationml/2006/main">
   <p:cSld>
     <p:spTree>

--- a/templates/template3.pptx
+++ b/templates/template3.pptx
@@ -277,7 +277,7 @@
             <a:fld id="{1D8BD707-D9CF-40AE-B4C6-C98DA3205C09}" type="datetimeFigureOut">
               <a:rPr lang="en-US" smtClean="0"/>
               <a:pPr/>
-              <a:t>12/20/2023</a:t>
+              <a:t>12/21/2023</a:t>
             </a:fld>
             <a:endParaRPr lang="en-US"/>
           </a:p>
@@ -447,7 +447,7 @@
             <a:fld id="{1D8BD707-D9CF-40AE-B4C6-C98DA3205C09}" type="datetimeFigureOut">
               <a:rPr lang="en-US" smtClean="0"/>
               <a:pPr/>
-              <a:t>12/20/2023</a:t>
+              <a:t>12/21/2023</a:t>
             </a:fld>
             <a:endParaRPr lang="en-US"/>
           </a:p>
@@ -627,7 +627,7 @@
             <a:fld id="{1D8BD707-D9CF-40AE-B4C6-C98DA3205C09}" type="datetimeFigureOut">
               <a:rPr lang="en-US" smtClean="0"/>
               <a:pPr/>
-              <a:t>12/20/2023</a:t>
+              <a:t>12/21/2023</a:t>
             </a:fld>
             <a:endParaRPr lang="en-US"/>
           </a:p>
@@ -797,7 +797,7 @@
             <a:fld id="{1D8BD707-D9CF-40AE-B4C6-C98DA3205C09}" type="datetimeFigureOut">
               <a:rPr lang="en-US" smtClean="0"/>
               <a:pPr/>
-              <a:t>12/20/2023</a:t>
+              <a:t>12/21/2023</a:t>
             </a:fld>
             <a:endParaRPr lang="en-US"/>
           </a:p>
@@ -1044,7 +1044,7 @@
             <a:fld id="{1D8BD707-D9CF-40AE-B4C6-C98DA3205C09}" type="datetimeFigureOut">
               <a:rPr lang="en-US" smtClean="0"/>
               <a:pPr/>
-              <a:t>12/20/2023</a:t>
+              <a:t>12/21/2023</a:t>
             </a:fld>
             <a:endParaRPr lang="en-US"/>
           </a:p>
@@ -1275,7 +1275,7 @@
             <a:fld id="{1D8BD707-D9CF-40AE-B4C6-C98DA3205C09}" type="datetimeFigureOut">
               <a:rPr lang="en-US" smtClean="0"/>
               <a:pPr/>
-              <a:t>12/20/2023</a:t>
+              <a:t>12/21/2023</a:t>
             </a:fld>
             <a:endParaRPr lang="en-US"/>
           </a:p>
@@ -1641,7 +1641,7 @@
             <a:fld id="{1D8BD707-D9CF-40AE-B4C6-C98DA3205C09}" type="datetimeFigureOut">
               <a:rPr lang="en-US" smtClean="0"/>
               <a:pPr/>
-              <a:t>12/20/2023</a:t>
+              <a:t>12/21/2023</a:t>
             </a:fld>
             <a:endParaRPr lang="en-US"/>
           </a:p>
@@ -1760,7 +1760,7 @@
             <a:fld id="{1D8BD707-D9CF-40AE-B4C6-C98DA3205C09}" type="datetimeFigureOut">
               <a:rPr lang="en-US" smtClean="0"/>
               <a:pPr/>
-              <a:t>12/20/2023</a:t>
+              <a:t>12/21/2023</a:t>
             </a:fld>
             <a:endParaRPr lang="en-US"/>
           </a:p>
@@ -1857,7 +1857,7 @@
             <a:fld id="{1D8BD707-D9CF-40AE-B4C6-C98DA3205C09}" type="datetimeFigureOut">
               <a:rPr lang="en-US" smtClean="0"/>
               <a:pPr/>
-              <a:t>12/20/2023</a:t>
+              <a:t>12/21/2023</a:t>
             </a:fld>
             <a:endParaRPr lang="en-US"/>
           </a:p>
@@ -2134,7 +2134,7 @@
             <a:fld id="{1D8BD707-D9CF-40AE-B4C6-C98DA3205C09}" type="datetimeFigureOut">
               <a:rPr lang="en-US" smtClean="0"/>
               <a:pPr/>
-              <a:t>12/20/2023</a:t>
+              <a:t>12/21/2023</a:t>
             </a:fld>
             <a:endParaRPr lang="en-US"/>
           </a:p>
@@ -2388,7 +2388,7 @@
             <a:fld id="{1D8BD707-D9CF-40AE-B4C6-C98DA3205C09}" type="datetimeFigureOut">
               <a:rPr lang="en-US" smtClean="0"/>
               <a:pPr/>
-              <a:t>12/20/2023</a:t>
+              <a:t>12/21/2023</a:t>
             </a:fld>
             <a:endParaRPr lang="en-US"/>
           </a:p>
@@ -2601,7 +2601,7 @@
             <a:fld id="{1D8BD707-D9CF-40AE-B4C6-C98DA3205C09}" type="datetimeFigureOut">
               <a:rPr lang="en-US" smtClean="0"/>
               <a:pPr/>
-              <a:t>12/20/2023</a:t>
+              <a:t>12/21/2023</a:t>
             </a:fld>
             <a:endParaRPr lang="en-US"/>
           </a:p>
@@ -6119,8 +6119,8 @@
         </p:nvSpPr>
         <p:spPr>
           <a:xfrm>
-            <a:off x="1353808" y="6927801"/>
-            <a:ext cx="5031229" cy="1872307"/>
+            <a:off x="2895600" y="6871859"/>
+            <a:ext cx="3962400" cy="786241"/>
           </a:xfrm>
           <a:prstGeom prst="rect">
             <a:avLst/>
@@ -6132,7 +6132,7 @@
           </a:bodyPr>
           <a:lstStyle/>
           <a:p>
-            <a:pPr algn="ctr">
+            <a:pPr>
               <a:lnSpc>
                 <a:spcPts val="7279"/>
               </a:lnSpc>
@@ -6166,12 +6166,130 @@
               <a:cs typeface="Times New Roman" panose="02020603050405020304" pitchFamily="18" charset="0"/>
             </a:endParaRPr>
           </a:p>
-          <a:p>
-            <a:pPr algn="ctr">
+        </p:txBody>
+      </p:sp>
+      <p:pic>
+        <p:nvPicPr>
+          <p:cNvPr id="3" name="Рисунок 2">
+            <a:extLst>
+              <a:ext uri="{FF2B5EF4-FFF2-40B4-BE49-F238E27FC236}">
+                <a16:creationId xmlns:a16="http://schemas.microsoft.com/office/drawing/2014/main" id="{46DA488C-7AA3-BF72-CCDD-AAE859D8BBD2}"/>
+              </a:ext>
+            </a:extLst>
+          </p:cNvPr>
+          <p:cNvPicPr>
+            <a:picLocks noChangeAspect="1"/>
+          </p:cNvPicPr>
+          <p:nvPr/>
+        </p:nvPicPr>
+        <p:blipFill>
+          <a:blip r:embed="rId7" cstate="print">
+            <a:extLst>
+              <a:ext uri="{28A0092B-C50C-407E-A947-70E740481C1C}">
+                <a14:useLocalDpi xmlns:a14="http://schemas.microsoft.com/office/drawing/2010/main" val="0"/>
+              </a:ext>
+            </a:extLst>
+          </a:blip>
+          <a:stretch>
+            <a:fillRect/>
+          </a:stretch>
+        </p:blipFill>
+        <p:spPr>
+          <a:xfrm>
+            <a:off x="2096454" y="7130880"/>
+            <a:ext cx="609600" cy="609600"/>
+          </a:xfrm>
+          <a:prstGeom prst="rect">
+            <a:avLst/>
+          </a:prstGeom>
+        </p:spPr>
+      </p:pic>
+      <p:pic>
+        <p:nvPicPr>
+          <p:cNvPr id="12" name="Рисунок 11">
+            <a:extLst>
+              <a:ext uri="{FF2B5EF4-FFF2-40B4-BE49-F238E27FC236}">
+                <a16:creationId xmlns:a16="http://schemas.microsoft.com/office/drawing/2014/main" id="{4813A217-8CA2-F9EB-321C-26AF33B53B7D}"/>
+              </a:ext>
+            </a:extLst>
+          </p:cNvPr>
+          <p:cNvPicPr>
+            <a:picLocks noChangeAspect="1"/>
+          </p:cNvPicPr>
+          <p:nvPr/>
+        </p:nvPicPr>
+        <p:blipFill rotWithShape="1">
+          <a:blip r:embed="rId8">
+            <a:extLst>
+              <a:ext uri="{28A0092B-C50C-407E-A947-70E740481C1C}">
+                <a14:useLocalDpi xmlns:a14="http://schemas.microsoft.com/office/drawing/2010/main" val="0"/>
+              </a:ext>
+              <a:ext uri="{96DAC541-7B7A-43D3-8B79-37D633B846F1}">
+                <asvg:svgBlip xmlns:asvg="http://schemas.microsoft.com/office/drawing/2016/SVG/main" r:embed="rId9"/>
+              </a:ext>
+            </a:extLst>
+          </a:blip>
+          <a:srcRect l="4209" t="36230" r="68144" b="36122"/>
+          <a:stretch/>
+        </p:blipFill>
+        <p:spPr>
+          <a:xfrm>
+            <a:off x="2057400" y="7999341"/>
+            <a:ext cx="649359" cy="649359"/>
+          </a:xfrm>
+          <a:prstGeom prst="rect">
+            <a:avLst/>
+          </a:prstGeom>
+        </p:spPr>
+      </p:pic>
+      <p:sp>
+        <p:nvSpPr>
+          <p:cNvPr id="13" name="TextBox 13">
+            <a:extLst>
+              <a:ext uri="{FF2B5EF4-FFF2-40B4-BE49-F238E27FC236}">
+                <a16:creationId xmlns:a16="http://schemas.microsoft.com/office/drawing/2014/main" id="{B60F4341-E927-C3C6-60F7-721F96281146}"/>
+              </a:ext>
+            </a:extLst>
+          </p:cNvPr>
+          <p:cNvSpPr txBox="1"/>
+          <p:nvPr/>
+        </p:nvSpPr>
+        <p:spPr>
+          <a:xfrm>
+            <a:off x="2895600" y="7710059"/>
+            <a:ext cx="3962400" cy="786241"/>
+          </a:xfrm>
+          <a:prstGeom prst="rect">
+            <a:avLst/>
+          </a:prstGeom>
+        </p:spPr>
+        <p:txBody>
+          <a:bodyPr wrap="square" lIns="0" tIns="0" rIns="0" bIns="0" rtlCol="0" anchor="t">
+            <a:spAutoFit/>
+          </a:bodyPr>
+          <a:lstStyle/>
+          <a:p>
+            <a:pPr>
               <a:lnSpc>
                 <a:spcPts val="7279"/>
               </a:lnSpc>
             </a:pPr>
+            <a:r>
+              <a:rPr lang="ru-RU" sz="2800" dirty="0">
+                <a:latin typeface="Times New Roman" panose="02020603050405020304" pitchFamily="18" charset="0"/>
+                <a:cs typeface="Times New Roman" panose="02020603050405020304" pitchFamily="18" charset="0"/>
+                <a:hlinkClick r:id="rId10"/>
+              </a:rPr>
+              <a:t>Написать нам на </a:t>
+            </a:r>
+            <a:r>
+              <a:rPr lang="ru-RU" sz="2800" dirty="0" err="1">
+                <a:latin typeface="Times New Roman" panose="02020603050405020304" pitchFamily="18" charset="0"/>
+                <a:cs typeface="Times New Roman" panose="02020603050405020304" pitchFamily="18" charset="0"/>
+                <a:hlinkClick r:id="rId10"/>
+              </a:rPr>
+              <a:t>Авито</a:t>
+            </a:r>
             <a:endParaRPr lang="en-US" sz="2800" dirty="0">
               <a:latin typeface="Times New Roman" panose="02020603050405020304" pitchFamily="18" charset="0"/>
               <a:cs typeface="Times New Roman" panose="02020603050405020304" pitchFamily="18" charset="0"/>

--- a/templates/template3.pptx
+++ b/templates/template3.pptx
@@ -6234,7 +6234,7 @@
         </p:blipFill>
         <p:spPr>
           <a:xfrm>
-            <a:off x="2057400" y="7999341"/>
+            <a:off x="2057400" y="8709382"/>
             <a:ext cx="649359" cy="649359"/>
           </a:xfrm>
           <a:prstGeom prst="rect">
@@ -6256,7 +6256,7 @@
         </p:nvSpPr>
         <p:spPr>
           <a:xfrm>
-            <a:off x="2895600" y="7710059"/>
+            <a:off x="2895600" y="8420100"/>
             <a:ext cx="3962400" cy="786241"/>
           </a:xfrm>
           <a:prstGeom prst="rect">
@@ -6297,6 +6297,97 @@
           </a:p>
         </p:txBody>
       </p:sp>
+      <p:sp>
+        <p:nvSpPr>
+          <p:cNvPr id="2" name="TextBox 13">
+            <a:extLst>
+              <a:ext uri="{FF2B5EF4-FFF2-40B4-BE49-F238E27FC236}">
+                <a16:creationId xmlns:a16="http://schemas.microsoft.com/office/drawing/2014/main" id="{2863EB5C-218A-6646-0253-9B0EE8D4A78D}"/>
+              </a:ext>
+            </a:extLst>
+          </p:cNvPr>
+          <p:cNvSpPr txBox="1"/>
+          <p:nvPr/>
+        </p:nvSpPr>
+        <p:spPr>
+          <a:xfrm>
+            <a:off x="2895600" y="7658100"/>
+            <a:ext cx="3962400" cy="786241"/>
+          </a:xfrm>
+          <a:prstGeom prst="rect">
+            <a:avLst/>
+          </a:prstGeom>
+        </p:spPr>
+        <p:txBody>
+          <a:bodyPr wrap="square" lIns="0" tIns="0" rIns="0" bIns="0" rtlCol="0" anchor="t">
+            <a:spAutoFit/>
+          </a:bodyPr>
+          <a:lstStyle/>
+          <a:p>
+            <a:pPr>
+              <a:lnSpc>
+                <a:spcPts val="7279"/>
+              </a:lnSpc>
+            </a:pPr>
+            <a:r>
+              <a:rPr lang="ru-RU" sz="2800" dirty="0">
+                <a:latin typeface="Times New Roman" panose="02020603050405020304" pitchFamily="18" charset="0"/>
+                <a:cs typeface="Times New Roman" panose="02020603050405020304" pitchFamily="18" charset="0"/>
+                <a:hlinkClick r:id="rId11"/>
+              </a:rPr>
+              <a:t>Написать нам в</a:t>
+            </a:r>
+            <a:r>
+              <a:rPr lang="en-US" sz="2800" dirty="0">
+                <a:latin typeface="Times New Roman" panose="02020603050405020304" pitchFamily="18" charset="0"/>
+                <a:cs typeface="Times New Roman" panose="02020603050405020304" pitchFamily="18" charset="0"/>
+                <a:hlinkClick r:id="rId11"/>
+              </a:rPr>
+              <a:t> Telegram</a:t>
+            </a:r>
+            <a:endParaRPr lang="en-US" sz="2800" dirty="0">
+              <a:latin typeface="Times New Roman" panose="02020603050405020304" pitchFamily="18" charset="0"/>
+              <a:cs typeface="Times New Roman" panose="02020603050405020304" pitchFamily="18" charset="0"/>
+            </a:endParaRPr>
+          </a:p>
+        </p:txBody>
+      </p:sp>
+      <p:pic>
+        <p:nvPicPr>
+          <p:cNvPr id="6" name="Рисунок 5">
+            <a:extLst>
+              <a:ext uri="{FF2B5EF4-FFF2-40B4-BE49-F238E27FC236}">
+                <a16:creationId xmlns:a16="http://schemas.microsoft.com/office/drawing/2014/main" id="{16036B07-3A49-1AB9-6952-C7C1141F75C6}"/>
+              </a:ext>
+            </a:extLst>
+          </p:cNvPr>
+          <p:cNvPicPr>
+            <a:picLocks noChangeAspect="1"/>
+          </p:cNvPicPr>
+          <p:nvPr/>
+        </p:nvPicPr>
+        <p:blipFill>
+          <a:blip r:embed="rId12" cstate="print">
+            <a:extLst>
+              <a:ext uri="{28A0092B-C50C-407E-A947-70E740481C1C}">
+                <a14:useLocalDpi xmlns:a14="http://schemas.microsoft.com/office/drawing/2010/main" val="0"/>
+              </a:ext>
+            </a:extLst>
+          </a:blip>
+          <a:stretch>
+            <a:fillRect/>
+          </a:stretch>
+        </p:blipFill>
+        <p:spPr>
+          <a:xfrm>
+            <a:off x="2057400" y="7900251"/>
+            <a:ext cx="649359" cy="649359"/>
+          </a:xfrm>
+          <a:prstGeom prst="rect">
+            <a:avLst/>
+          </a:prstGeom>
+        </p:spPr>
+      </p:pic>
     </p:spTree>
   </p:cSld>
   <p:clrMapOvr>

--- a/templates/template3.pptx
+++ b/templates/template3.pptx
@@ -4877,6 +4877,55 @@
           </a:p>
         </p:txBody>
       </p:sp>
+      <p:sp>
+        <p:nvSpPr>
+          <p:cNvPr id="4" name="TextBox 5">
+            <a:extLst>
+              <a:ext uri="{FF2B5EF4-FFF2-40B4-BE49-F238E27FC236}">
+                <a16:creationId xmlns:a16="http://schemas.microsoft.com/office/drawing/2014/main" id="{67EF3D08-7F41-04C3-0E34-CB96A01D3E83}"/>
+              </a:ext>
+            </a:extLst>
+          </p:cNvPr>
+          <p:cNvSpPr txBox="1"/>
+          <p:nvPr/>
+        </p:nvSpPr>
+        <p:spPr>
+          <a:xfrm>
+            <a:off x="7687761" y="7314187"/>
+            <a:ext cx="9576251" cy="448841"/>
+          </a:xfrm>
+          <a:prstGeom prst="rect">
+            <a:avLst/>
+          </a:prstGeom>
+        </p:spPr>
+        <p:txBody>
+          <a:bodyPr lIns="0" tIns="0" rIns="0" bIns="0" rtlCol="0" anchor="t">
+            <a:spAutoFit/>
+          </a:bodyPr>
+          <a:lstStyle/>
+          <a:p>
+            <a:pPr>
+              <a:lnSpc>
+                <a:spcPts val="3499"/>
+              </a:lnSpc>
+            </a:pPr>
+            <a:r>
+              <a:rPr lang="en-US" sz="3200">
+                <a:latin typeface="Times New Roman" panose="02020603050405020304" pitchFamily="18" charset="0"/>
+                <a:cs typeface="Times New Roman" panose="02020603050405020304" pitchFamily="18" charset="0"/>
+              </a:rPr>
+              <a:t>{{ tendering </a:t>
+            </a:r>
+            <a:r>
+              <a:rPr lang="en-US" sz="3200" dirty="0">
+                <a:latin typeface="Times New Roman" panose="02020603050405020304" pitchFamily="18" charset="0"/>
+                <a:cs typeface="Times New Roman" panose="02020603050405020304" pitchFamily="18" charset="0"/>
+              </a:rPr>
+              <a:t>}}</a:t>
+            </a:r>
+          </a:p>
+        </p:txBody>
+      </p:sp>
     </p:spTree>
   </p:cSld>
   <p:clrMapOvr>
